--- a/Media/Carte-De-Vizita/Carte de Vizită Tech-X.pptx
+++ b/Media/Carte-De-Vizita/Carte de Vizită Tech-X.pptx
@@ -136,7 +136,7 @@
           <p:cNvPr id="2" name="Title 1">
             <a:extLst>
               <a:ext uri="{FF2B5EF4-FFF2-40B4-BE49-F238E27FC236}">
-                <a16:creationId xmlns:a16="http://schemas.microsoft.com/office/drawing/2014/main" id="{E5535252-D74F-4C2E-A9BF-46E72B0A7A44}"/>
+                <a16:creationId xmlns:a16="http://schemas.microsoft.com/office/drawing/2014/main" xmlns="" id="{E5535252-D74F-4C2E-A9BF-46E72B0A7A44}"/>
               </a:ext>
             </a:extLst>
           </p:cNvPr>
@@ -173,7 +173,7 @@
           <p:cNvPr id="3" name="Subtitle 2">
             <a:extLst>
               <a:ext uri="{FF2B5EF4-FFF2-40B4-BE49-F238E27FC236}">
-                <a16:creationId xmlns:a16="http://schemas.microsoft.com/office/drawing/2014/main" id="{34EDF251-1CF1-4753-98F4-7E075035572A}"/>
+                <a16:creationId xmlns:a16="http://schemas.microsoft.com/office/drawing/2014/main" xmlns="" id="{34EDF251-1CF1-4753-98F4-7E075035572A}"/>
               </a:ext>
             </a:extLst>
           </p:cNvPr>
@@ -243,7 +243,7 @@
           <p:cNvPr id="4" name="Date Placeholder 3">
             <a:extLst>
               <a:ext uri="{FF2B5EF4-FFF2-40B4-BE49-F238E27FC236}">
-                <a16:creationId xmlns:a16="http://schemas.microsoft.com/office/drawing/2014/main" id="{F3457C89-2A9D-48F8-A89D-D398DAEF0C7E}"/>
+                <a16:creationId xmlns:a16="http://schemas.microsoft.com/office/drawing/2014/main" xmlns="" id="{F3457C89-2A9D-48F8-A89D-D398DAEF0C7E}"/>
               </a:ext>
             </a:extLst>
           </p:cNvPr>
@@ -261,7 +261,7 @@
           <a:p>
             <a:fld id="{1461625B-ECC9-4CA4-A010-C4B08440EB34}" type="datetimeFigureOut">
               <a:rPr lang="en-US" smtClean="0"/>
-              <a:t>1/7/2020</a:t>
+              <a:t>1/14/2020</a:t>
             </a:fld>
             <a:endParaRPr lang="en-US"/>
           </a:p>
@@ -272,7 +272,7 @@
           <p:cNvPr id="5" name="Footer Placeholder 4">
             <a:extLst>
               <a:ext uri="{FF2B5EF4-FFF2-40B4-BE49-F238E27FC236}">
-                <a16:creationId xmlns:a16="http://schemas.microsoft.com/office/drawing/2014/main" id="{5AAE309A-8726-4009-8A8F-29E732979E09}"/>
+                <a16:creationId xmlns:a16="http://schemas.microsoft.com/office/drawing/2014/main" xmlns="" id="{5AAE309A-8726-4009-8A8F-29E732979E09}"/>
               </a:ext>
             </a:extLst>
           </p:cNvPr>
@@ -297,7 +297,7 @@
           <p:cNvPr id="6" name="Slide Number Placeholder 5">
             <a:extLst>
               <a:ext uri="{FF2B5EF4-FFF2-40B4-BE49-F238E27FC236}">
-                <a16:creationId xmlns:a16="http://schemas.microsoft.com/office/drawing/2014/main" id="{4CDF4E0B-1085-4D91-8207-8FCD95A4ACAD}"/>
+                <a16:creationId xmlns:a16="http://schemas.microsoft.com/office/drawing/2014/main" xmlns="" id="{4CDF4E0B-1085-4D91-8207-8FCD95A4ACAD}"/>
               </a:ext>
             </a:extLst>
           </p:cNvPr>
@@ -356,7 +356,7 @@
           <p:cNvPr id="2" name="Title 1">
             <a:extLst>
               <a:ext uri="{FF2B5EF4-FFF2-40B4-BE49-F238E27FC236}">
-                <a16:creationId xmlns:a16="http://schemas.microsoft.com/office/drawing/2014/main" id="{94A20DBD-F0D6-4E0B-9D75-1AC6B3022FFD}"/>
+                <a16:creationId xmlns:a16="http://schemas.microsoft.com/office/drawing/2014/main" xmlns="" id="{94A20DBD-F0D6-4E0B-9D75-1AC6B3022FFD}"/>
               </a:ext>
             </a:extLst>
           </p:cNvPr>
@@ -384,7 +384,7 @@
           <p:cNvPr id="3" name="Vertical Text Placeholder 2">
             <a:extLst>
               <a:ext uri="{FF2B5EF4-FFF2-40B4-BE49-F238E27FC236}">
-                <a16:creationId xmlns:a16="http://schemas.microsoft.com/office/drawing/2014/main" id="{451709A9-7584-48C9-87B5-E57E2F69C872}"/>
+                <a16:creationId xmlns:a16="http://schemas.microsoft.com/office/drawing/2014/main" xmlns="" id="{451709A9-7584-48C9-87B5-E57E2F69C872}"/>
               </a:ext>
             </a:extLst>
           </p:cNvPr>
@@ -441,7 +441,7 @@
           <p:cNvPr id="4" name="Date Placeholder 3">
             <a:extLst>
               <a:ext uri="{FF2B5EF4-FFF2-40B4-BE49-F238E27FC236}">
-                <a16:creationId xmlns:a16="http://schemas.microsoft.com/office/drawing/2014/main" id="{A79DDA38-9603-4F95-AE41-951BD5AFF39B}"/>
+                <a16:creationId xmlns:a16="http://schemas.microsoft.com/office/drawing/2014/main" xmlns="" id="{A79DDA38-9603-4F95-AE41-951BD5AFF39B}"/>
               </a:ext>
             </a:extLst>
           </p:cNvPr>
@@ -459,7 +459,7 @@
           <a:p>
             <a:fld id="{1461625B-ECC9-4CA4-A010-C4B08440EB34}" type="datetimeFigureOut">
               <a:rPr lang="en-US" smtClean="0"/>
-              <a:t>1/7/2020</a:t>
+              <a:t>1/14/2020</a:t>
             </a:fld>
             <a:endParaRPr lang="en-US"/>
           </a:p>
@@ -470,7 +470,7 @@
           <p:cNvPr id="5" name="Footer Placeholder 4">
             <a:extLst>
               <a:ext uri="{FF2B5EF4-FFF2-40B4-BE49-F238E27FC236}">
-                <a16:creationId xmlns:a16="http://schemas.microsoft.com/office/drawing/2014/main" id="{AEECAD73-AEC4-4659-B887-B8C55E906E94}"/>
+                <a16:creationId xmlns:a16="http://schemas.microsoft.com/office/drawing/2014/main" xmlns="" id="{AEECAD73-AEC4-4659-B887-B8C55E906E94}"/>
               </a:ext>
             </a:extLst>
           </p:cNvPr>
@@ -495,7 +495,7 @@
           <p:cNvPr id="6" name="Slide Number Placeholder 5">
             <a:extLst>
               <a:ext uri="{FF2B5EF4-FFF2-40B4-BE49-F238E27FC236}">
-                <a16:creationId xmlns:a16="http://schemas.microsoft.com/office/drawing/2014/main" id="{E13E5E83-97D3-404D-B091-CA733BE39A53}"/>
+                <a16:creationId xmlns:a16="http://schemas.microsoft.com/office/drawing/2014/main" xmlns="" id="{E13E5E83-97D3-404D-B091-CA733BE39A53}"/>
               </a:ext>
             </a:extLst>
           </p:cNvPr>
@@ -554,7 +554,7 @@
           <p:cNvPr id="2" name="Vertical Title 1">
             <a:extLst>
               <a:ext uri="{FF2B5EF4-FFF2-40B4-BE49-F238E27FC236}">
-                <a16:creationId xmlns:a16="http://schemas.microsoft.com/office/drawing/2014/main" id="{A7A5B575-6B8A-4F63-927D-C4DAA0E2CB6B}"/>
+                <a16:creationId xmlns:a16="http://schemas.microsoft.com/office/drawing/2014/main" xmlns="" id="{A7A5B575-6B8A-4F63-927D-C4DAA0E2CB6B}"/>
               </a:ext>
             </a:extLst>
           </p:cNvPr>
@@ -587,7 +587,7 @@
           <p:cNvPr id="3" name="Vertical Text Placeholder 2">
             <a:extLst>
               <a:ext uri="{FF2B5EF4-FFF2-40B4-BE49-F238E27FC236}">
-                <a16:creationId xmlns:a16="http://schemas.microsoft.com/office/drawing/2014/main" id="{B0D81EC6-B4FE-4B00-8B1B-8167396DB618}"/>
+                <a16:creationId xmlns:a16="http://schemas.microsoft.com/office/drawing/2014/main" xmlns="" id="{B0D81EC6-B4FE-4B00-8B1B-8167396DB618}"/>
               </a:ext>
             </a:extLst>
           </p:cNvPr>
@@ -649,7 +649,7 @@
           <p:cNvPr id="4" name="Date Placeholder 3">
             <a:extLst>
               <a:ext uri="{FF2B5EF4-FFF2-40B4-BE49-F238E27FC236}">
-                <a16:creationId xmlns:a16="http://schemas.microsoft.com/office/drawing/2014/main" id="{33DD1708-CD94-4807-88D2-C60970300A8D}"/>
+                <a16:creationId xmlns:a16="http://schemas.microsoft.com/office/drawing/2014/main" xmlns="" id="{33DD1708-CD94-4807-88D2-C60970300A8D}"/>
               </a:ext>
             </a:extLst>
           </p:cNvPr>
@@ -667,7 +667,7 @@
           <a:p>
             <a:fld id="{1461625B-ECC9-4CA4-A010-C4B08440EB34}" type="datetimeFigureOut">
               <a:rPr lang="en-US" smtClean="0"/>
-              <a:t>1/7/2020</a:t>
+              <a:t>1/14/2020</a:t>
             </a:fld>
             <a:endParaRPr lang="en-US"/>
           </a:p>
@@ -678,7 +678,7 @@
           <p:cNvPr id="5" name="Footer Placeholder 4">
             <a:extLst>
               <a:ext uri="{FF2B5EF4-FFF2-40B4-BE49-F238E27FC236}">
-                <a16:creationId xmlns:a16="http://schemas.microsoft.com/office/drawing/2014/main" id="{1D4ABE43-317C-4710-A0D0-778701CF1DA5}"/>
+                <a16:creationId xmlns:a16="http://schemas.microsoft.com/office/drawing/2014/main" xmlns="" id="{1D4ABE43-317C-4710-A0D0-778701CF1DA5}"/>
               </a:ext>
             </a:extLst>
           </p:cNvPr>
@@ -703,7 +703,7 @@
           <p:cNvPr id="6" name="Slide Number Placeholder 5">
             <a:extLst>
               <a:ext uri="{FF2B5EF4-FFF2-40B4-BE49-F238E27FC236}">
-                <a16:creationId xmlns:a16="http://schemas.microsoft.com/office/drawing/2014/main" id="{605895B3-2133-4F05-BA57-0F4F5FF8F738}"/>
+                <a16:creationId xmlns:a16="http://schemas.microsoft.com/office/drawing/2014/main" xmlns="" id="{605895B3-2133-4F05-BA57-0F4F5FF8F738}"/>
               </a:ext>
             </a:extLst>
           </p:cNvPr>
@@ -762,7 +762,7 @@
           <p:cNvPr id="2" name="Title 1">
             <a:extLst>
               <a:ext uri="{FF2B5EF4-FFF2-40B4-BE49-F238E27FC236}">
-                <a16:creationId xmlns:a16="http://schemas.microsoft.com/office/drawing/2014/main" id="{46BFDEBE-D721-4057-81ED-0B728E1724FF}"/>
+                <a16:creationId xmlns:a16="http://schemas.microsoft.com/office/drawing/2014/main" xmlns="" id="{46BFDEBE-D721-4057-81ED-0B728E1724FF}"/>
               </a:ext>
             </a:extLst>
           </p:cNvPr>
@@ -790,7 +790,7 @@
           <p:cNvPr id="3" name="Content Placeholder 2">
             <a:extLst>
               <a:ext uri="{FF2B5EF4-FFF2-40B4-BE49-F238E27FC236}">
-                <a16:creationId xmlns:a16="http://schemas.microsoft.com/office/drawing/2014/main" id="{D3519865-349D-4E79-95C7-BA22C2DAC583}"/>
+                <a16:creationId xmlns:a16="http://schemas.microsoft.com/office/drawing/2014/main" xmlns="" id="{D3519865-349D-4E79-95C7-BA22C2DAC583}"/>
               </a:ext>
             </a:extLst>
           </p:cNvPr>
@@ -847,7 +847,7 @@
           <p:cNvPr id="4" name="Date Placeholder 3">
             <a:extLst>
               <a:ext uri="{FF2B5EF4-FFF2-40B4-BE49-F238E27FC236}">
-                <a16:creationId xmlns:a16="http://schemas.microsoft.com/office/drawing/2014/main" id="{F45017E0-8E5B-46E5-A04D-764DB8456C22}"/>
+                <a16:creationId xmlns:a16="http://schemas.microsoft.com/office/drawing/2014/main" xmlns="" id="{F45017E0-8E5B-46E5-A04D-764DB8456C22}"/>
               </a:ext>
             </a:extLst>
           </p:cNvPr>
@@ -865,7 +865,7 @@
           <a:p>
             <a:fld id="{1461625B-ECC9-4CA4-A010-C4B08440EB34}" type="datetimeFigureOut">
               <a:rPr lang="en-US" smtClean="0"/>
-              <a:t>1/7/2020</a:t>
+              <a:t>1/14/2020</a:t>
             </a:fld>
             <a:endParaRPr lang="en-US"/>
           </a:p>
@@ -876,7 +876,7 @@
           <p:cNvPr id="5" name="Footer Placeholder 4">
             <a:extLst>
               <a:ext uri="{FF2B5EF4-FFF2-40B4-BE49-F238E27FC236}">
-                <a16:creationId xmlns:a16="http://schemas.microsoft.com/office/drawing/2014/main" id="{5765D6B5-4055-4673-B570-772EF555A40F}"/>
+                <a16:creationId xmlns:a16="http://schemas.microsoft.com/office/drawing/2014/main" xmlns="" id="{5765D6B5-4055-4673-B570-772EF555A40F}"/>
               </a:ext>
             </a:extLst>
           </p:cNvPr>
@@ -901,7 +901,7 @@
           <p:cNvPr id="6" name="Slide Number Placeholder 5">
             <a:extLst>
               <a:ext uri="{FF2B5EF4-FFF2-40B4-BE49-F238E27FC236}">
-                <a16:creationId xmlns:a16="http://schemas.microsoft.com/office/drawing/2014/main" id="{8290B6A9-0179-4FA5-AA72-2F6B6AF5A45B}"/>
+                <a16:creationId xmlns:a16="http://schemas.microsoft.com/office/drawing/2014/main" xmlns="" id="{8290B6A9-0179-4FA5-AA72-2F6B6AF5A45B}"/>
               </a:ext>
             </a:extLst>
           </p:cNvPr>
@@ -960,7 +960,7 @@
           <p:cNvPr id="2" name="Title 1">
             <a:extLst>
               <a:ext uri="{FF2B5EF4-FFF2-40B4-BE49-F238E27FC236}">
-                <a16:creationId xmlns:a16="http://schemas.microsoft.com/office/drawing/2014/main" id="{195B929C-1F8F-413D-A41D-653B59B2AB06}"/>
+                <a16:creationId xmlns:a16="http://schemas.microsoft.com/office/drawing/2014/main" xmlns="" id="{195B929C-1F8F-413D-A41D-653B59B2AB06}"/>
               </a:ext>
             </a:extLst>
           </p:cNvPr>
@@ -997,7 +997,7 @@
           <p:cNvPr id="3" name="Text Placeholder 2">
             <a:extLst>
               <a:ext uri="{FF2B5EF4-FFF2-40B4-BE49-F238E27FC236}">
-                <a16:creationId xmlns:a16="http://schemas.microsoft.com/office/drawing/2014/main" id="{7A81DD17-5F87-40EC-8BBD-5C57F21C966E}"/>
+                <a16:creationId xmlns:a16="http://schemas.microsoft.com/office/drawing/2014/main" xmlns="" id="{7A81DD17-5F87-40EC-8BBD-5C57F21C966E}"/>
               </a:ext>
             </a:extLst>
           </p:cNvPr>
@@ -1122,7 +1122,7 @@
           <p:cNvPr id="4" name="Date Placeholder 3">
             <a:extLst>
               <a:ext uri="{FF2B5EF4-FFF2-40B4-BE49-F238E27FC236}">
-                <a16:creationId xmlns:a16="http://schemas.microsoft.com/office/drawing/2014/main" id="{7FF37283-3620-4E39-B525-3E815DF448C3}"/>
+                <a16:creationId xmlns:a16="http://schemas.microsoft.com/office/drawing/2014/main" xmlns="" id="{7FF37283-3620-4E39-B525-3E815DF448C3}"/>
               </a:ext>
             </a:extLst>
           </p:cNvPr>
@@ -1140,7 +1140,7 @@
           <a:p>
             <a:fld id="{1461625B-ECC9-4CA4-A010-C4B08440EB34}" type="datetimeFigureOut">
               <a:rPr lang="en-US" smtClean="0"/>
-              <a:t>1/7/2020</a:t>
+              <a:t>1/14/2020</a:t>
             </a:fld>
             <a:endParaRPr lang="en-US"/>
           </a:p>
@@ -1151,7 +1151,7 @@
           <p:cNvPr id="5" name="Footer Placeholder 4">
             <a:extLst>
               <a:ext uri="{FF2B5EF4-FFF2-40B4-BE49-F238E27FC236}">
-                <a16:creationId xmlns:a16="http://schemas.microsoft.com/office/drawing/2014/main" id="{106A8C41-068E-4A12-8922-8A8FB2359836}"/>
+                <a16:creationId xmlns:a16="http://schemas.microsoft.com/office/drawing/2014/main" xmlns="" id="{106A8C41-068E-4A12-8922-8A8FB2359836}"/>
               </a:ext>
             </a:extLst>
           </p:cNvPr>
@@ -1176,7 +1176,7 @@
           <p:cNvPr id="6" name="Slide Number Placeholder 5">
             <a:extLst>
               <a:ext uri="{FF2B5EF4-FFF2-40B4-BE49-F238E27FC236}">
-                <a16:creationId xmlns:a16="http://schemas.microsoft.com/office/drawing/2014/main" id="{B7EA18BE-7942-4414-9041-C126E45D9AAB}"/>
+                <a16:creationId xmlns:a16="http://schemas.microsoft.com/office/drawing/2014/main" xmlns="" id="{B7EA18BE-7942-4414-9041-C126E45D9AAB}"/>
               </a:ext>
             </a:extLst>
           </p:cNvPr>
@@ -1235,7 +1235,7 @@
           <p:cNvPr id="2" name="Title 1">
             <a:extLst>
               <a:ext uri="{FF2B5EF4-FFF2-40B4-BE49-F238E27FC236}">
-                <a16:creationId xmlns:a16="http://schemas.microsoft.com/office/drawing/2014/main" id="{AB56BE8C-BA62-4DA6-9989-121BBCA13297}"/>
+                <a16:creationId xmlns:a16="http://schemas.microsoft.com/office/drawing/2014/main" xmlns="" id="{AB56BE8C-BA62-4DA6-9989-121BBCA13297}"/>
               </a:ext>
             </a:extLst>
           </p:cNvPr>
@@ -1263,7 +1263,7 @@
           <p:cNvPr id="3" name="Content Placeholder 2">
             <a:extLst>
               <a:ext uri="{FF2B5EF4-FFF2-40B4-BE49-F238E27FC236}">
-                <a16:creationId xmlns:a16="http://schemas.microsoft.com/office/drawing/2014/main" id="{627D0F1A-3B04-43BF-AAFE-D3528636FDF9}"/>
+                <a16:creationId xmlns:a16="http://schemas.microsoft.com/office/drawing/2014/main" xmlns="" id="{627D0F1A-3B04-43BF-AAFE-D3528636FDF9}"/>
               </a:ext>
             </a:extLst>
           </p:cNvPr>
@@ -1325,7 +1325,7 @@
           <p:cNvPr id="4" name="Content Placeholder 3">
             <a:extLst>
               <a:ext uri="{FF2B5EF4-FFF2-40B4-BE49-F238E27FC236}">
-                <a16:creationId xmlns:a16="http://schemas.microsoft.com/office/drawing/2014/main" id="{A433053D-7CB7-4661-A731-4ABCCF133E4B}"/>
+                <a16:creationId xmlns:a16="http://schemas.microsoft.com/office/drawing/2014/main" xmlns="" id="{A433053D-7CB7-4661-A731-4ABCCF133E4B}"/>
               </a:ext>
             </a:extLst>
           </p:cNvPr>
@@ -1387,7 +1387,7 @@
           <p:cNvPr id="5" name="Date Placeholder 4">
             <a:extLst>
               <a:ext uri="{FF2B5EF4-FFF2-40B4-BE49-F238E27FC236}">
-                <a16:creationId xmlns:a16="http://schemas.microsoft.com/office/drawing/2014/main" id="{ACF3266C-E65F-4121-B0B5-653E06E7B50A}"/>
+                <a16:creationId xmlns:a16="http://schemas.microsoft.com/office/drawing/2014/main" xmlns="" id="{ACF3266C-E65F-4121-B0B5-653E06E7B50A}"/>
               </a:ext>
             </a:extLst>
           </p:cNvPr>
@@ -1405,7 +1405,7 @@
           <a:p>
             <a:fld id="{1461625B-ECC9-4CA4-A010-C4B08440EB34}" type="datetimeFigureOut">
               <a:rPr lang="en-US" smtClean="0"/>
-              <a:t>1/7/2020</a:t>
+              <a:t>1/14/2020</a:t>
             </a:fld>
             <a:endParaRPr lang="en-US"/>
           </a:p>
@@ -1416,7 +1416,7 @@
           <p:cNvPr id="6" name="Footer Placeholder 5">
             <a:extLst>
               <a:ext uri="{FF2B5EF4-FFF2-40B4-BE49-F238E27FC236}">
-                <a16:creationId xmlns:a16="http://schemas.microsoft.com/office/drawing/2014/main" id="{A202E735-9A73-4117-84F8-EE5A35932FAE}"/>
+                <a16:creationId xmlns:a16="http://schemas.microsoft.com/office/drawing/2014/main" xmlns="" id="{A202E735-9A73-4117-84F8-EE5A35932FAE}"/>
               </a:ext>
             </a:extLst>
           </p:cNvPr>
@@ -1441,7 +1441,7 @@
           <p:cNvPr id="7" name="Slide Number Placeholder 6">
             <a:extLst>
               <a:ext uri="{FF2B5EF4-FFF2-40B4-BE49-F238E27FC236}">
-                <a16:creationId xmlns:a16="http://schemas.microsoft.com/office/drawing/2014/main" id="{26604801-6D73-4854-ABEF-F1A76BF7297B}"/>
+                <a16:creationId xmlns:a16="http://schemas.microsoft.com/office/drawing/2014/main" xmlns="" id="{26604801-6D73-4854-ABEF-F1A76BF7297B}"/>
               </a:ext>
             </a:extLst>
           </p:cNvPr>
@@ -1500,7 +1500,7 @@
           <p:cNvPr id="2" name="Title 1">
             <a:extLst>
               <a:ext uri="{FF2B5EF4-FFF2-40B4-BE49-F238E27FC236}">
-                <a16:creationId xmlns:a16="http://schemas.microsoft.com/office/drawing/2014/main" id="{C90C30A5-1631-4081-BDE8-F28A9DD6B488}"/>
+                <a16:creationId xmlns:a16="http://schemas.microsoft.com/office/drawing/2014/main" xmlns="" id="{C90C30A5-1631-4081-BDE8-F28A9DD6B488}"/>
               </a:ext>
             </a:extLst>
           </p:cNvPr>
@@ -1533,7 +1533,7 @@
           <p:cNvPr id="3" name="Text Placeholder 2">
             <a:extLst>
               <a:ext uri="{FF2B5EF4-FFF2-40B4-BE49-F238E27FC236}">
-                <a16:creationId xmlns:a16="http://schemas.microsoft.com/office/drawing/2014/main" id="{75AD79E9-A355-4421-A7F3-B43153373876}"/>
+                <a16:creationId xmlns:a16="http://schemas.microsoft.com/office/drawing/2014/main" xmlns="" id="{75AD79E9-A355-4421-A7F3-B43153373876}"/>
               </a:ext>
             </a:extLst>
           </p:cNvPr>
@@ -1604,7 +1604,7 @@
           <p:cNvPr id="4" name="Content Placeholder 3">
             <a:extLst>
               <a:ext uri="{FF2B5EF4-FFF2-40B4-BE49-F238E27FC236}">
-                <a16:creationId xmlns:a16="http://schemas.microsoft.com/office/drawing/2014/main" id="{43559908-4C50-448B-BDC1-FDC1838D2365}"/>
+                <a16:creationId xmlns:a16="http://schemas.microsoft.com/office/drawing/2014/main" xmlns="" id="{43559908-4C50-448B-BDC1-FDC1838D2365}"/>
               </a:ext>
             </a:extLst>
           </p:cNvPr>
@@ -1666,7 +1666,7 @@
           <p:cNvPr id="5" name="Text Placeholder 4">
             <a:extLst>
               <a:ext uri="{FF2B5EF4-FFF2-40B4-BE49-F238E27FC236}">
-                <a16:creationId xmlns:a16="http://schemas.microsoft.com/office/drawing/2014/main" id="{17737664-46F4-472B-A05E-B69FBE119796}"/>
+                <a16:creationId xmlns:a16="http://schemas.microsoft.com/office/drawing/2014/main" xmlns="" id="{17737664-46F4-472B-A05E-B69FBE119796}"/>
               </a:ext>
             </a:extLst>
           </p:cNvPr>
@@ -1737,7 +1737,7 @@
           <p:cNvPr id="6" name="Content Placeholder 5">
             <a:extLst>
               <a:ext uri="{FF2B5EF4-FFF2-40B4-BE49-F238E27FC236}">
-                <a16:creationId xmlns:a16="http://schemas.microsoft.com/office/drawing/2014/main" id="{6360688F-DF3E-426A-B0F4-BD70B73BE003}"/>
+                <a16:creationId xmlns:a16="http://schemas.microsoft.com/office/drawing/2014/main" xmlns="" id="{6360688F-DF3E-426A-B0F4-BD70B73BE003}"/>
               </a:ext>
             </a:extLst>
           </p:cNvPr>
@@ -1799,7 +1799,7 @@
           <p:cNvPr id="7" name="Date Placeholder 6">
             <a:extLst>
               <a:ext uri="{FF2B5EF4-FFF2-40B4-BE49-F238E27FC236}">
-                <a16:creationId xmlns:a16="http://schemas.microsoft.com/office/drawing/2014/main" id="{1765EAF3-0E66-4E4F-BAA0-6569C6233854}"/>
+                <a16:creationId xmlns:a16="http://schemas.microsoft.com/office/drawing/2014/main" xmlns="" id="{1765EAF3-0E66-4E4F-BAA0-6569C6233854}"/>
               </a:ext>
             </a:extLst>
           </p:cNvPr>
@@ -1817,7 +1817,7 @@
           <a:p>
             <a:fld id="{1461625B-ECC9-4CA4-A010-C4B08440EB34}" type="datetimeFigureOut">
               <a:rPr lang="en-US" smtClean="0"/>
-              <a:t>1/7/2020</a:t>
+              <a:t>1/14/2020</a:t>
             </a:fld>
             <a:endParaRPr lang="en-US"/>
           </a:p>
@@ -1828,7 +1828,7 @@
           <p:cNvPr id="8" name="Footer Placeholder 7">
             <a:extLst>
               <a:ext uri="{FF2B5EF4-FFF2-40B4-BE49-F238E27FC236}">
-                <a16:creationId xmlns:a16="http://schemas.microsoft.com/office/drawing/2014/main" id="{5647D421-0F74-43F0-8823-F00E86009BB2}"/>
+                <a16:creationId xmlns:a16="http://schemas.microsoft.com/office/drawing/2014/main" xmlns="" id="{5647D421-0F74-43F0-8823-F00E86009BB2}"/>
               </a:ext>
             </a:extLst>
           </p:cNvPr>
@@ -1853,7 +1853,7 @@
           <p:cNvPr id="9" name="Slide Number Placeholder 8">
             <a:extLst>
               <a:ext uri="{FF2B5EF4-FFF2-40B4-BE49-F238E27FC236}">
-                <a16:creationId xmlns:a16="http://schemas.microsoft.com/office/drawing/2014/main" id="{69F379AA-81DC-4926-8BC4-8A37D827398D}"/>
+                <a16:creationId xmlns:a16="http://schemas.microsoft.com/office/drawing/2014/main" xmlns="" id="{69F379AA-81DC-4926-8BC4-8A37D827398D}"/>
               </a:ext>
             </a:extLst>
           </p:cNvPr>
@@ -1912,7 +1912,7 @@
           <p:cNvPr id="2" name="Title 1">
             <a:extLst>
               <a:ext uri="{FF2B5EF4-FFF2-40B4-BE49-F238E27FC236}">
-                <a16:creationId xmlns:a16="http://schemas.microsoft.com/office/drawing/2014/main" id="{746C1BF3-83E1-43D5-9D8E-FFA00E50F0C7}"/>
+                <a16:creationId xmlns:a16="http://schemas.microsoft.com/office/drawing/2014/main" xmlns="" id="{746C1BF3-83E1-43D5-9D8E-FFA00E50F0C7}"/>
               </a:ext>
             </a:extLst>
           </p:cNvPr>
@@ -1940,7 +1940,7 @@
           <p:cNvPr id="3" name="Date Placeholder 2">
             <a:extLst>
               <a:ext uri="{FF2B5EF4-FFF2-40B4-BE49-F238E27FC236}">
-                <a16:creationId xmlns:a16="http://schemas.microsoft.com/office/drawing/2014/main" id="{ACCCE5A8-A583-467D-9600-EC0EE86AFD1B}"/>
+                <a16:creationId xmlns:a16="http://schemas.microsoft.com/office/drawing/2014/main" xmlns="" id="{ACCCE5A8-A583-467D-9600-EC0EE86AFD1B}"/>
               </a:ext>
             </a:extLst>
           </p:cNvPr>
@@ -1958,7 +1958,7 @@
           <a:p>
             <a:fld id="{1461625B-ECC9-4CA4-A010-C4B08440EB34}" type="datetimeFigureOut">
               <a:rPr lang="en-US" smtClean="0"/>
-              <a:t>1/7/2020</a:t>
+              <a:t>1/14/2020</a:t>
             </a:fld>
             <a:endParaRPr lang="en-US"/>
           </a:p>
@@ -1969,7 +1969,7 @@
           <p:cNvPr id="4" name="Footer Placeholder 3">
             <a:extLst>
               <a:ext uri="{FF2B5EF4-FFF2-40B4-BE49-F238E27FC236}">
-                <a16:creationId xmlns:a16="http://schemas.microsoft.com/office/drawing/2014/main" id="{64CA3693-8964-43CC-B9C8-8BE3BE9F9A30}"/>
+                <a16:creationId xmlns:a16="http://schemas.microsoft.com/office/drawing/2014/main" xmlns="" id="{64CA3693-8964-43CC-B9C8-8BE3BE9F9A30}"/>
               </a:ext>
             </a:extLst>
           </p:cNvPr>
@@ -1994,7 +1994,7 @@
           <p:cNvPr id="5" name="Slide Number Placeholder 4">
             <a:extLst>
               <a:ext uri="{FF2B5EF4-FFF2-40B4-BE49-F238E27FC236}">
-                <a16:creationId xmlns:a16="http://schemas.microsoft.com/office/drawing/2014/main" id="{D7C880B1-BC34-4BAD-8775-B5603F9EB778}"/>
+                <a16:creationId xmlns:a16="http://schemas.microsoft.com/office/drawing/2014/main" xmlns="" id="{D7C880B1-BC34-4BAD-8775-B5603F9EB778}"/>
               </a:ext>
             </a:extLst>
           </p:cNvPr>
@@ -2053,7 +2053,7 @@
           <p:cNvPr id="2" name="Date Placeholder 1">
             <a:extLst>
               <a:ext uri="{FF2B5EF4-FFF2-40B4-BE49-F238E27FC236}">
-                <a16:creationId xmlns:a16="http://schemas.microsoft.com/office/drawing/2014/main" id="{AAE144AE-DDE8-4200-B3AB-1A4F4F08E059}"/>
+                <a16:creationId xmlns:a16="http://schemas.microsoft.com/office/drawing/2014/main" xmlns="" id="{AAE144AE-DDE8-4200-B3AB-1A4F4F08E059}"/>
               </a:ext>
             </a:extLst>
           </p:cNvPr>
@@ -2071,7 +2071,7 @@
           <a:p>
             <a:fld id="{1461625B-ECC9-4CA4-A010-C4B08440EB34}" type="datetimeFigureOut">
               <a:rPr lang="en-US" smtClean="0"/>
-              <a:t>1/7/2020</a:t>
+              <a:t>1/14/2020</a:t>
             </a:fld>
             <a:endParaRPr lang="en-US"/>
           </a:p>
@@ -2082,7 +2082,7 @@
           <p:cNvPr id="3" name="Footer Placeholder 2">
             <a:extLst>
               <a:ext uri="{FF2B5EF4-FFF2-40B4-BE49-F238E27FC236}">
-                <a16:creationId xmlns:a16="http://schemas.microsoft.com/office/drawing/2014/main" id="{CA819724-9B4C-494B-8C92-E2A4EFF4F930}"/>
+                <a16:creationId xmlns:a16="http://schemas.microsoft.com/office/drawing/2014/main" xmlns="" id="{CA819724-9B4C-494B-8C92-E2A4EFF4F930}"/>
               </a:ext>
             </a:extLst>
           </p:cNvPr>
@@ -2107,7 +2107,7 @@
           <p:cNvPr id="4" name="Slide Number Placeholder 3">
             <a:extLst>
               <a:ext uri="{FF2B5EF4-FFF2-40B4-BE49-F238E27FC236}">
-                <a16:creationId xmlns:a16="http://schemas.microsoft.com/office/drawing/2014/main" id="{89ACCC86-88B6-47D1-AA87-DE2C8ABE35DD}"/>
+                <a16:creationId xmlns:a16="http://schemas.microsoft.com/office/drawing/2014/main" xmlns="" id="{89ACCC86-88B6-47D1-AA87-DE2C8ABE35DD}"/>
               </a:ext>
             </a:extLst>
           </p:cNvPr>
@@ -2166,7 +2166,7 @@
           <p:cNvPr id="2" name="Title 1">
             <a:extLst>
               <a:ext uri="{FF2B5EF4-FFF2-40B4-BE49-F238E27FC236}">
-                <a16:creationId xmlns:a16="http://schemas.microsoft.com/office/drawing/2014/main" id="{CAD0E6D1-4AA6-4A19-BEAA-548FFC40289E}"/>
+                <a16:creationId xmlns:a16="http://schemas.microsoft.com/office/drawing/2014/main" xmlns="" id="{CAD0E6D1-4AA6-4A19-BEAA-548FFC40289E}"/>
               </a:ext>
             </a:extLst>
           </p:cNvPr>
@@ -2203,7 +2203,7 @@
           <p:cNvPr id="3" name="Content Placeholder 2">
             <a:extLst>
               <a:ext uri="{FF2B5EF4-FFF2-40B4-BE49-F238E27FC236}">
-                <a16:creationId xmlns:a16="http://schemas.microsoft.com/office/drawing/2014/main" id="{2CE3AA4A-141C-4AB4-8D4E-ABA4B0C406EA}"/>
+                <a16:creationId xmlns:a16="http://schemas.microsoft.com/office/drawing/2014/main" xmlns="" id="{2CE3AA4A-141C-4AB4-8D4E-ABA4B0C406EA}"/>
               </a:ext>
             </a:extLst>
           </p:cNvPr>
@@ -2293,7 +2293,7 @@
           <p:cNvPr id="4" name="Text Placeholder 3">
             <a:extLst>
               <a:ext uri="{FF2B5EF4-FFF2-40B4-BE49-F238E27FC236}">
-                <a16:creationId xmlns:a16="http://schemas.microsoft.com/office/drawing/2014/main" id="{61FAC38D-7740-42EC-971F-E7E8B2BB637E}"/>
+                <a16:creationId xmlns:a16="http://schemas.microsoft.com/office/drawing/2014/main" xmlns="" id="{61FAC38D-7740-42EC-971F-E7E8B2BB637E}"/>
               </a:ext>
             </a:extLst>
           </p:cNvPr>
@@ -2364,7 +2364,7 @@
           <p:cNvPr id="5" name="Date Placeholder 4">
             <a:extLst>
               <a:ext uri="{FF2B5EF4-FFF2-40B4-BE49-F238E27FC236}">
-                <a16:creationId xmlns:a16="http://schemas.microsoft.com/office/drawing/2014/main" id="{860873B3-3CAD-4E24-81F0-F7C53CA31509}"/>
+                <a16:creationId xmlns:a16="http://schemas.microsoft.com/office/drawing/2014/main" xmlns="" id="{860873B3-3CAD-4E24-81F0-F7C53CA31509}"/>
               </a:ext>
             </a:extLst>
           </p:cNvPr>
@@ -2382,7 +2382,7 @@
           <a:p>
             <a:fld id="{1461625B-ECC9-4CA4-A010-C4B08440EB34}" type="datetimeFigureOut">
               <a:rPr lang="en-US" smtClean="0"/>
-              <a:t>1/7/2020</a:t>
+              <a:t>1/14/2020</a:t>
             </a:fld>
             <a:endParaRPr lang="en-US"/>
           </a:p>
@@ -2393,7 +2393,7 @@
           <p:cNvPr id="6" name="Footer Placeholder 5">
             <a:extLst>
               <a:ext uri="{FF2B5EF4-FFF2-40B4-BE49-F238E27FC236}">
-                <a16:creationId xmlns:a16="http://schemas.microsoft.com/office/drawing/2014/main" id="{E0107E50-8006-42DD-B15C-0A73BEC8E8B3}"/>
+                <a16:creationId xmlns:a16="http://schemas.microsoft.com/office/drawing/2014/main" xmlns="" id="{E0107E50-8006-42DD-B15C-0A73BEC8E8B3}"/>
               </a:ext>
             </a:extLst>
           </p:cNvPr>
@@ -2418,7 +2418,7 @@
           <p:cNvPr id="7" name="Slide Number Placeholder 6">
             <a:extLst>
               <a:ext uri="{FF2B5EF4-FFF2-40B4-BE49-F238E27FC236}">
-                <a16:creationId xmlns:a16="http://schemas.microsoft.com/office/drawing/2014/main" id="{0F70616E-C7ED-4523-9600-DAE8867F2F88}"/>
+                <a16:creationId xmlns:a16="http://schemas.microsoft.com/office/drawing/2014/main" xmlns="" id="{0F70616E-C7ED-4523-9600-DAE8867F2F88}"/>
               </a:ext>
             </a:extLst>
           </p:cNvPr>
@@ -2477,7 +2477,7 @@
           <p:cNvPr id="2" name="Title 1">
             <a:extLst>
               <a:ext uri="{FF2B5EF4-FFF2-40B4-BE49-F238E27FC236}">
-                <a16:creationId xmlns:a16="http://schemas.microsoft.com/office/drawing/2014/main" id="{EC54B5F8-17D2-4888-A35C-B3097200FD02}"/>
+                <a16:creationId xmlns:a16="http://schemas.microsoft.com/office/drawing/2014/main" xmlns="" id="{EC54B5F8-17D2-4888-A35C-B3097200FD02}"/>
               </a:ext>
             </a:extLst>
           </p:cNvPr>
@@ -2514,7 +2514,7 @@
           <p:cNvPr id="3" name="Picture Placeholder 2">
             <a:extLst>
               <a:ext uri="{FF2B5EF4-FFF2-40B4-BE49-F238E27FC236}">
-                <a16:creationId xmlns:a16="http://schemas.microsoft.com/office/drawing/2014/main" id="{9DB62E78-E1F0-407B-96FA-C9592C3249EB}"/>
+                <a16:creationId xmlns:a16="http://schemas.microsoft.com/office/drawing/2014/main" xmlns="" id="{9DB62E78-E1F0-407B-96FA-C9592C3249EB}"/>
               </a:ext>
             </a:extLst>
           </p:cNvPr>
@@ -2581,7 +2581,7 @@
           <p:cNvPr id="4" name="Text Placeholder 3">
             <a:extLst>
               <a:ext uri="{FF2B5EF4-FFF2-40B4-BE49-F238E27FC236}">
-                <a16:creationId xmlns:a16="http://schemas.microsoft.com/office/drawing/2014/main" id="{2533A8E8-DA30-4638-AE7B-565A1A205DBF}"/>
+                <a16:creationId xmlns:a16="http://schemas.microsoft.com/office/drawing/2014/main" xmlns="" id="{2533A8E8-DA30-4638-AE7B-565A1A205DBF}"/>
               </a:ext>
             </a:extLst>
           </p:cNvPr>
@@ -2652,7 +2652,7 @@
           <p:cNvPr id="5" name="Date Placeholder 4">
             <a:extLst>
               <a:ext uri="{FF2B5EF4-FFF2-40B4-BE49-F238E27FC236}">
-                <a16:creationId xmlns:a16="http://schemas.microsoft.com/office/drawing/2014/main" id="{2744094F-DA67-4EDC-A897-C07292046BD0}"/>
+                <a16:creationId xmlns:a16="http://schemas.microsoft.com/office/drawing/2014/main" xmlns="" id="{2744094F-DA67-4EDC-A897-C07292046BD0}"/>
               </a:ext>
             </a:extLst>
           </p:cNvPr>
@@ -2670,7 +2670,7 @@
           <a:p>
             <a:fld id="{1461625B-ECC9-4CA4-A010-C4B08440EB34}" type="datetimeFigureOut">
               <a:rPr lang="en-US" smtClean="0"/>
-              <a:t>1/7/2020</a:t>
+              <a:t>1/14/2020</a:t>
             </a:fld>
             <a:endParaRPr lang="en-US"/>
           </a:p>
@@ -2681,7 +2681,7 @@
           <p:cNvPr id="6" name="Footer Placeholder 5">
             <a:extLst>
               <a:ext uri="{FF2B5EF4-FFF2-40B4-BE49-F238E27FC236}">
-                <a16:creationId xmlns:a16="http://schemas.microsoft.com/office/drawing/2014/main" id="{9C10F4CC-9F56-41B4-990C-E11462D3BDE1}"/>
+                <a16:creationId xmlns:a16="http://schemas.microsoft.com/office/drawing/2014/main" xmlns="" id="{9C10F4CC-9F56-41B4-990C-E11462D3BDE1}"/>
               </a:ext>
             </a:extLst>
           </p:cNvPr>
@@ -2706,7 +2706,7 @@
           <p:cNvPr id="7" name="Slide Number Placeholder 6">
             <a:extLst>
               <a:ext uri="{FF2B5EF4-FFF2-40B4-BE49-F238E27FC236}">
-                <a16:creationId xmlns:a16="http://schemas.microsoft.com/office/drawing/2014/main" id="{3B3C6516-7CE7-4938-B07C-A5F20B3B355C}"/>
+                <a16:creationId xmlns:a16="http://schemas.microsoft.com/office/drawing/2014/main" xmlns="" id="{3B3C6516-7CE7-4938-B07C-A5F20B3B355C}"/>
               </a:ext>
             </a:extLst>
           </p:cNvPr>
@@ -2770,7 +2770,7 @@
           <p:cNvPr id="2" name="Title Placeholder 1">
             <a:extLst>
               <a:ext uri="{FF2B5EF4-FFF2-40B4-BE49-F238E27FC236}">
-                <a16:creationId xmlns:a16="http://schemas.microsoft.com/office/drawing/2014/main" id="{59B9BBB4-035F-4747-AB76-DD7208ABA2AC}"/>
+                <a16:creationId xmlns:a16="http://schemas.microsoft.com/office/drawing/2014/main" xmlns="" id="{59B9BBB4-035F-4747-AB76-DD7208ABA2AC}"/>
               </a:ext>
             </a:extLst>
           </p:cNvPr>
@@ -2808,7 +2808,7 @@
           <p:cNvPr id="3" name="Text Placeholder 2">
             <a:extLst>
               <a:ext uri="{FF2B5EF4-FFF2-40B4-BE49-F238E27FC236}">
-                <a16:creationId xmlns:a16="http://schemas.microsoft.com/office/drawing/2014/main" id="{32173628-273A-42A8-AF72-86BE94A59D30}"/>
+                <a16:creationId xmlns:a16="http://schemas.microsoft.com/office/drawing/2014/main" xmlns="" id="{32173628-273A-42A8-AF72-86BE94A59D30}"/>
               </a:ext>
             </a:extLst>
           </p:cNvPr>
@@ -2875,7 +2875,7 @@
           <p:cNvPr id="4" name="Date Placeholder 3">
             <a:extLst>
               <a:ext uri="{FF2B5EF4-FFF2-40B4-BE49-F238E27FC236}">
-                <a16:creationId xmlns:a16="http://schemas.microsoft.com/office/drawing/2014/main" id="{FF8A1EF2-6C82-4F21-A12F-9CA4EA407E77}"/>
+                <a16:creationId xmlns:a16="http://schemas.microsoft.com/office/drawing/2014/main" xmlns="" id="{FF8A1EF2-6C82-4F21-A12F-9CA4EA407E77}"/>
               </a:ext>
             </a:extLst>
           </p:cNvPr>
@@ -2911,7 +2911,7 @@
           <a:p>
             <a:fld id="{1461625B-ECC9-4CA4-A010-C4B08440EB34}" type="datetimeFigureOut">
               <a:rPr lang="en-US" smtClean="0"/>
-              <a:t>1/7/2020</a:t>
+              <a:t>1/14/2020</a:t>
             </a:fld>
             <a:endParaRPr lang="en-US"/>
           </a:p>
@@ -2922,7 +2922,7 @@
           <p:cNvPr id="5" name="Footer Placeholder 4">
             <a:extLst>
               <a:ext uri="{FF2B5EF4-FFF2-40B4-BE49-F238E27FC236}">
-                <a16:creationId xmlns:a16="http://schemas.microsoft.com/office/drawing/2014/main" id="{FB1ACBB3-651F-4226-B42C-1E954A0E8AEA}"/>
+                <a16:creationId xmlns:a16="http://schemas.microsoft.com/office/drawing/2014/main" xmlns="" id="{FB1ACBB3-651F-4226-B42C-1E954A0E8AEA}"/>
               </a:ext>
             </a:extLst>
           </p:cNvPr>
@@ -2965,7 +2965,7 @@
           <p:cNvPr id="6" name="Slide Number Placeholder 5">
             <a:extLst>
               <a:ext uri="{FF2B5EF4-FFF2-40B4-BE49-F238E27FC236}">
-                <a16:creationId xmlns:a16="http://schemas.microsoft.com/office/drawing/2014/main" id="{A95B74DE-5CC5-44FF-98CC-4FDAEB152632}"/>
+                <a16:creationId xmlns:a16="http://schemas.microsoft.com/office/drawing/2014/main" xmlns="" id="{A95B74DE-5CC5-44FF-98CC-4FDAEB152632}"/>
               </a:ext>
             </a:extLst>
           </p:cNvPr>
@@ -3333,7 +3333,7 @@
           <p:cNvPr id="23" name="Right Triangle 22">
             <a:extLst>
               <a:ext uri="{FF2B5EF4-FFF2-40B4-BE49-F238E27FC236}">
-                <a16:creationId xmlns:a16="http://schemas.microsoft.com/office/drawing/2014/main" id="{A210804B-1DB6-40FA-92BF-9FB77AA1048B}"/>
+                <a16:creationId xmlns:a16="http://schemas.microsoft.com/office/drawing/2014/main" xmlns="" id="{A210804B-1DB6-40FA-92BF-9FB77AA1048B}"/>
               </a:ext>
             </a:extLst>
           </p:cNvPr>
@@ -3402,7 +3402,7 @@
           <p:cNvPr id="21" name="Right Triangle 20">
             <a:extLst>
               <a:ext uri="{FF2B5EF4-FFF2-40B4-BE49-F238E27FC236}">
-                <a16:creationId xmlns:a16="http://schemas.microsoft.com/office/drawing/2014/main" id="{4B415FEF-6B17-4C7E-B44A-D0C7548C733C}"/>
+                <a16:creationId xmlns:a16="http://schemas.microsoft.com/office/drawing/2014/main" xmlns="" id="{4B415FEF-6B17-4C7E-B44A-D0C7548C733C}"/>
               </a:ext>
             </a:extLst>
           </p:cNvPr>
@@ -3471,7 +3471,7 @@
           <p:cNvPr id="3" name="Straight Connector 2">
             <a:extLst>
               <a:ext uri="{FF2B5EF4-FFF2-40B4-BE49-F238E27FC236}">
-                <a16:creationId xmlns:a16="http://schemas.microsoft.com/office/drawing/2014/main" id="{75E383C9-7042-41ED-8B3F-E2CD640B18E0}"/>
+                <a16:creationId xmlns:a16="http://schemas.microsoft.com/office/drawing/2014/main" xmlns="" id="{75E383C9-7042-41ED-8B3F-E2CD640B18E0}"/>
               </a:ext>
             </a:extLst>
           </p:cNvPr>
@@ -3514,7 +3514,7 @@
           <p:cNvPr id="9" name="Straight Connector 8">
             <a:extLst>
               <a:ext uri="{FF2B5EF4-FFF2-40B4-BE49-F238E27FC236}">
-                <a16:creationId xmlns:a16="http://schemas.microsoft.com/office/drawing/2014/main" id="{90414683-AC3D-485D-8C88-48BF9D6E3E07}"/>
+                <a16:creationId xmlns:a16="http://schemas.microsoft.com/office/drawing/2014/main" xmlns="" id="{90414683-AC3D-485D-8C88-48BF9D6E3E07}"/>
               </a:ext>
             </a:extLst>
           </p:cNvPr>
@@ -3557,7 +3557,7 @@
           <p:cNvPr id="19" name="Rectangle 18">
             <a:extLst>
               <a:ext uri="{FF2B5EF4-FFF2-40B4-BE49-F238E27FC236}">
-                <a16:creationId xmlns:a16="http://schemas.microsoft.com/office/drawing/2014/main" id="{4E89673B-BC92-4A3A-A15B-0B7278AA7754}"/>
+                <a16:creationId xmlns:a16="http://schemas.microsoft.com/office/drawing/2014/main" xmlns="" id="{4E89673B-BC92-4A3A-A15B-0B7278AA7754}"/>
               </a:ext>
             </a:extLst>
           </p:cNvPr>
@@ -3632,7 +3632,7 @@
           <p:cNvPr id="20" name="Rectangle 19">
             <a:extLst>
               <a:ext uri="{FF2B5EF4-FFF2-40B4-BE49-F238E27FC236}">
-                <a16:creationId xmlns:a16="http://schemas.microsoft.com/office/drawing/2014/main" id="{91BC2494-3084-4D52-8776-7E9FFF2DB30D}"/>
+                <a16:creationId xmlns:a16="http://schemas.microsoft.com/office/drawing/2014/main" xmlns="" id="{91BC2494-3084-4D52-8776-7E9FFF2DB30D}"/>
               </a:ext>
             </a:extLst>
           </p:cNvPr>
@@ -3698,7 +3698,7 @@
           <p:cNvPr id="26" name="Picture 25">
             <a:extLst>
               <a:ext uri="{FF2B5EF4-FFF2-40B4-BE49-F238E27FC236}">
-                <a16:creationId xmlns:a16="http://schemas.microsoft.com/office/drawing/2014/main" id="{80C522D6-45EC-4E7A-8237-2E15AE168B41}"/>
+                <a16:creationId xmlns:a16="http://schemas.microsoft.com/office/drawing/2014/main" xmlns="" id="{80C522D6-45EC-4E7A-8237-2E15AE168B41}"/>
               </a:ext>
             </a:extLst>
           </p:cNvPr>
@@ -3764,7 +3764,7 @@
           <p:cNvPr id="8" name="Rectangle 7">
             <a:extLst>
               <a:ext uri="{FF2B5EF4-FFF2-40B4-BE49-F238E27FC236}">
-                <a16:creationId xmlns:a16="http://schemas.microsoft.com/office/drawing/2014/main" id="{7A7D3565-162F-4B88-9A54-FFB9F544676E}"/>
+                <a16:creationId xmlns:a16="http://schemas.microsoft.com/office/drawing/2014/main" xmlns="" id="{7A7D3565-162F-4B88-9A54-FFB9F544676E}"/>
               </a:ext>
             </a:extLst>
           </p:cNvPr>
@@ -3830,7 +3830,7 @@
           <p:cNvPr id="20" name="Rectangle 19">
             <a:extLst>
               <a:ext uri="{FF2B5EF4-FFF2-40B4-BE49-F238E27FC236}">
-                <a16:creationId xmlns:a16="http://schemas.microsoft.com/office/drawing/2014/main" id="{91BC2494-3084-4D52-8776-7E9FFF2DB30D}"/>
+                <a16:creationId xmlns:a16="http://schemas.microsoft.com/office/drawing/2014/main" xmlns="" id="{91BC2494-3084-4D52-8776-7E9FFF2DB30D}"/>
               </a:ext>
             </a:extLst>
           </p:cNvPr>
@@ -3887,7 +3887,7 @@
           <a:lstStyle/>
           <a:p>
             <a:pPr algn="ctr"/>
-            <a:endParaRPr lang="en-US"/>
+            <a:endParaRPr lang="en-US" dirty="0"/>
           </a:p>
         </p:txBody>
       </p:sp>
@@ -3896,7 +3896,7 @@
           <p:cNvPr id="19" name="Rectangle 18">
             <a:extLst>
               <a:ext uri="{FF2B5EF4-FFF2-40B4-BE49-F238E27FC236}">
-                <a16:creationId xmlns:a16="http://schemas.microsoft.com/office/drawing/2014/main" id="{4E89673B-BC92-4A3A-A15B-0B7278AA7754}"/>
+                <a16:creationId xmlns:a16="http://schemas.microsoft.com/office/drawing/2014/main" xmlns="" id="{4E89673B-BC92-4A3A-A15B-0B7278AA7754}"/>
               </a:ext>
             </a:extLst>
           </p:cNvPr>
@@ -3971,7 +3971,7 @@
           <p:cNvPr id="14" name="TextBox 13">
             <a:extLst>
               <a:ext uri="{FF2B5EF4-FFF2-40B4-BE49-F238E27FC236}">
-                <a16:creationId xmlns:a16="http://schemas.microsoft.com/office/drawing/2014/main" id="{3377502C-03D8-44E6-A168-951F9E417DE7}"/>
+                <a16:creationId xmlns:a16="http://schemas.microsoft.com/office/drawing/2014/main" xmlns="" id="{3377502C-03D8-44E6-A168-951F9E417DE7}"/>
               </a:ext>
             </a:extLst>
           </p:cNvPr>
@@ -4018,7 +4018,7 @@
           <p:cNvPr id="11" name="Picture 10">
             <a:extLst>
               <a:ext uri="{FF2B5EF4-FFF2-40B4-BE49-F238E27FC236}">
-                <a16:creationId xmlns:a16="http://schemas.microsoft.com/office/drawing/2014/main" id="{05E1B189-E9BC-4433-9980-140FF491E12E}"/>
+                <a16:creationId xmlns:a16="http://schemas.microsoft.com/office/drawing/2014/main" xmlns="" id="{05E1B189-E9BC-4433-9980-140FF491E12E}"/>
               </a:ext>
             </a:extLst>
           </p:cNvPr>
@@ -4028,7 +4028,7 @@
           <p:nvPr/>
         </p:nvPicPr>
         <p:blipFill>
-          <a:blip r:embed="rId2">
+          <a:blip r:embed="rId2" cstate="print">
             <a:extLst>
               <a:ext uri="{28A0092B-C50C-407E-A947-70E740481C1C}">
                 <a14:useLocalDpi xmlns:a14="http://schemas.microsoft.com/office/drawing/2010/main" val="0"/>
@@ -4054,7 +4054,7 @@
           <p:cNvPr id="13" name="Picture 12">
             <a:extLst>
               <a:ext uri="{FF2B5EF4-FFF2-40B4-BE49-F238E27FC236}">
-                <a16:creationId xmlns:a16="http://schemas.microsoft.com/office/drawing/2014/main" id="{0AC6A7A8-47B4-422B-9EA5-3A715111009F}"/>
+                <a16:creationId xmlns:a16="http://schemas.microsoft.com/office/drawing/2014/main" xmlns="" id="{0AC6A7A8-47B4-422B-9EA5-3A715111009F}"/>
               </a:ext>
             </a:extLst>
           </p:cNvPr>
@@ -4064,7 +4064,7 @@
           <p:nvPr/>
         </p:nvPicPr>
         <p:blipFill>
-          <a:blip r:embed="rId3">
+          <a:blip r:embed="rId3" cstate="print">
             <a:extLst>
               <a:ext uri="{28A0092B-C50C-407E-A947-70E740481C1C}">
                 <a14:useLocalDpi xmlns:a14="http://schemas.microsoft.com/office/drawing/2010/main" val="0"/>
@@ -4090,7 +4090,7 @@
           <p:cNvPr id="16" name="Picture 15">
             <a:extLst>
               <a:ext uri="{FF2B5EF4-FFF2-40B4-BE49-F238E27FC236}">
-                <a16:creationId xmlns:a16="http://schemas.microsoft.com/office/drawing/2014/main" id="{E8E63D5D-D3BA-4BEA-8038-BB199B8FB3C7}"/>
+                <a16:creationId xmlns:a16="http://schemas.microsoft.com/office/drawing/2014/main" xmlns="" id="{E8E63D5D-D3BA-4BEA-8038-BB199B8FB3C7}"/>
               </a:ext>
             </a:extLst>
           </p:cNvPr>
@@ -4100,7 +4100,7 @@
           <p:nvPr/>
         </p:nvPicPr>
         <p:blipFill>
-          <a:blip r:embed="rId4">
+          <a:blip r:embed="rId4" cstate="print">
             <a:extLst>
               <a:ext uri="{28A0092B-C50C-407E-A947-70E740481C1C}">
                 <a14:useLocalDpi xmlns:a14="http://schemas.microsoft.com/office/drawing/2010/main" val="0"/>
@@ -4126,7 +4126,7 @@
           <p:cNvPr id="18" name="Picture 17">
             <a:extLst>
               <a:ext uri="{FF2B5EF4-FFF2-40B4-BE49-F238E27FC236}">
-                <a16:creationId xmlns:a16="http://schemas.microsoft.com/office/drawing/2014/main" id="{2411679C-E67D-47F0-AB8D-113328CCBB35}"/>
+                <a16:creationId xmlns:a16="http://schemas.microsoft.com/office/drawing/2014/main" xmlns="" id="{2411679C-E67D-47F0-AB8D-113328CCBB35}"/>
               </a:ext>
             </a:extLst>
           </p:cNvPr>
@@ -4136,7 +4136,7 @@
           <p:nvPr/>
         </p:nvPicPr>
         <p:blipFill>
-          <a:blip r:embed="rId5">
+          <a:blip r:embed="rId5" cstate="print">
             <a:extLst>
               <a:ext uri="{28A0092B-C50C-407E-A947-70E740481C1C}">
                 <a14:useLocalDpi xmlns:a14="http://schemas.microsoft.com/office/drawing/2010/main" val="0"/>
@@ -4162,7 +4162,7 @@
           <p:cNvPr id="24" name="TextBox 23">
             <a:extLst>
               <a:ext uri="{FF2B5EF4-FFF2-40B4-BE49-F238E27FC236}">
-                <a16:creationId xmlns:a16="http://schemas.microsoft.com/office/drawing/2014/main" id="{82669106-C412-443B-83ED-98D5A183CC21}"/>
+                <a16:creationId xmlns:a16="http://schemas.microsoft.com/office/drawing/2014/main" xmlns="" id="{82669106-C412-443B-83ED-98D5A183CC21}"/>
               </a:ext>
             </a:extLst>
           </p:cNvPr>
@@ -4216,7 +4216,7 @@
           <p:cNvPr id="25" name="TextBox 24">
             <a:extLst>
               <a:ext uri="{FF2B5EF4-FFF2-40B4-BE49-F238E27FC236}">
-                <a16:creationId xmlns:a16="http://schemas.microsoft.com/office/drawing/2014/main" id="{35A9CC67-3CCA-48BA-A0AC-D4D9D9D13DB6}"/>
+                <a16:creationId xmlns:a16="http://schemas.microsoft.com/office/drawing/2014/main" xmlns="" id="{35A9CC67-3CCA-48BA-A0AC-D4D9D9D13DB6}"/>
               </a:ext>
             </a:extLst>
           </p:cNvPr>
@@ -4260,7 +4260,7 @@
           <p:cNvPr id="26" name="TextBox 25">
             <a:extLst>
               <a:ext uri="{FF2B5EF4-FFF2-40B4-BE49-F238E27FC236}">
-                <a16:creationId xmlns:a16="http://schemas.microsoft.com/office/drawing/2014/main" id="{572C57D7-801A-4182-999A-2B32F8D4C365}"/>
+                <a16:creationId xmlns:a16="http://schemas.microsoft.com/office/drawing/2014/main" xmlns="" id="{572C57D7-801A-4182-999A-2B32F8D4C365}"/>
               </a:ext>
             </a:extLst>
           </p:cNvPr>
@@ -4304,7 +4304,7 @@
           <p:cNvPr id="27" name="TextBox 26">
             <a:extLst>
               <a:ext uri="{FF2B5EF4-FFF2-40B4-BE49-F238E27FC236}">
-                <a16:creationId xmlns:a16="http://schemas.microsoft.com/office/drawing/2014/main" id="{23B52173-7BBF-4E10-931A-431A0768D9E5}"/>
+                <a16:creationId xmlns:a16="http://schemas.microsoft.com/office/drawing/2014/main" xmlns="" id="{23B52173-7BBF-4E10-931A-431A0768D9E5}"/>
               </a:ext>
             </a:extLst>
           </p:cNvPr>
@@ -4358,7 +4358,7 @@
           <p:cNvPr id="28" name="Picture 27">
             <a:extLst>
               <a:ext uri="{FF2B5EF4-FFF2-40B4-BE49-F238E27FC236}">
-                <a16:creationId xmlns:a16="http://schemas.microsoft.com/office/drawing/2014/main" id="{6E39EBC7-38DD-441C-B2CF-81AB5ECAA417}"/>
+                <a16:creationId xmlns:a16="http://schemas.microsoft.com/office/drawing/2014/main" xmlns="" id="{6E39EBC7-38DD-441C-B2CF-81AB5ECAA417}"/>
               </a:ext>
             </a:extLst>
           </p:cNvPr>
@@ -4368,7 +4368,7 @@
           <p:nvPr/>
         </p:nvPicPr>
         <p:blipFill>
-          <a:blip r:embed="rId6">
+          <a:blip r:embed="rId6" cstate="print">
             <a:extLst>
               <a:ext uri="{28A0092B-C50C-407E-A947-70E740481C1C}">
                 <a14:useLocalDpi xmlns:a14="http://schemas.microsoft.com/office/drawing/2010/main" val="0"/>
@@ -4383,6 +4383,66 @@
           <a:xfrm>
             <a:off x="-39821" y="2451011"/>
             <a:ext cx="2867997" cy="2867997"/>
+          </a:xfrm>
+          <a:prstGeom prst="rect">
+            <a:avLst/>
+          </a:prstGeom>
+        </p:spPr>
+      </p:pic>
+      <p:pic>
+        <p:nvPicPr>
+          <p:cNvPr id="2" name="Picture 1"/>
+          <p:cNvPicPr>
+            <a:picLocks noChangeAspect="1"/>
+          </p:cNvPicPr>
+          <p:nvPr/>
+        </p:nvPicPr>
+        <p:blipFill>
+          <a:blip r:embed="rId7" cstate="print">
+            <a:extLst>
+              <a:ext uri="{28A0092B-C50C-407E-A947-70E740481C1C}">
+                <a14:useLocalDpi xmlns:a14="http://schemas.microsoft.com/office/drawing/2010/main" val="0"/>
+              </a:ext>
+            </a:extLst>
+          </a:blip>
+          <a:stretch>
+            <a:fillRect/>
+          </a:stretch>
+        </p:blipFill>
+        <p:spPr>
+          <a:xfrm>
+            <a:off x="1745450" y="85219"/>
+            <a:ext cx="1788159" cy="1582137"/>
+          </a:xfrm>
+          <a:prstGeom prst="rect">
+            <a:avLst/>
+          </a:prstGeom>
+        </p:spPr>
+      </p:pic>
+      <p:pic>
+        <p:nvPicPr>
+          <p:cNvPr id="3" name="Picture 2"/>
+          <p:cNvPicPr>
+            <a:picLocks noChangeAspect="1"/>
+          </p:cNvPicPr>
+          <p:nvPr/>
+        </p:nvPicPr>
+        <p:blipFill>
+          <a:blip r:embed="rId8" cstate="print">
+            <a:extLst>
+              <a:ext uri="{28A0092B-C50C-407E-A947-70E740481C1C}">
+                <a14:useLocalDpi xmlns:a14="http://schemas.microsoft.com/office/drawing/2010/main" val="0"/>
+              </a:ext>
+            </a:extLst>
+          </a:blip>
+          <a:stretch>
+            <a:fillRect/>
+          </a:stretch>
+        </p:blipFill>
+        <p:spPr>
+          <a:xfrm>
+            <a:off x="7368462" y="5938861"/>
+            <a:ext cx="1832857" cy="833117"/>
           </a:xfrm>
           <a:prstGeom prst="rect">
             <a:avLst/>
